--- a/present.pptx
+++ b/present.pptx
@@ -6836,6 +6836,13 @@
   <p:clrMapOvr>
     <a:masterClrMapping/>
   </p:clrMapOvr>
+  <p:timing>
+    <p:tnLst>
+      <p:par>
+        <p:cTn id="1" dur="indefinite" restart="never" nodeType="tmRoot"/>
+      </p:par>
+    </p:tnLst>
+  </p:timing>
 </p:sld>
 </file>
 
@@ -8066,11 +8073,11 @@
               <a:t>ไป </a:t>
             </a:r>
             <a:r>
-              <a:rPr lang="en-US" sz="2800" dirty="0" err="1" smtClean="0">
-                <a:latin typeface="TH Sarabun New" panose="020B0500040200020003" pitchFamily="34" charset="-34"/>
-                <a:cs typeface="TH Sarabun New" panose="020B0500040200020003" pitchFamily="34" charset="-34"/>
-              </a:rPr>
-              <a:t>git</a:t>
+              <a:rPr lang="en-US" sz="2800" dirty="0" smtClean="0">
+                <a:latin typeface="TH Sarabun New" panose="020B0500040200020003" pitchFamily="34" charset="-34"/>
+                <a:cs typeface="TH Sarabun New" panose="020B0500040200020003" pitchFamily="34" charset="-34"/>
+              </a:rPr>
+              <a:t>repo</a:t>
             </a:r>
             <a:r>
               <a:rPr lang="en-US" dirty="0"/>
@@ -9222,14 +9229,28 @@
                 <a:latin typeface="TH Sarabun New" panose="020B0500040200020003" pitchFamily="34" charset="-34"/>
                 <a:cs typeface="TH Sarabun New" panose="020B0500040200020003" pitchFamily="34" charset="-34"/>
               </a:rPr>
-              <a:t>ให้สั้นง่ายต่อการ</a:t>
+              <a:t>ให้</a:t>
             </a:r>
             <a:r>
               <a:rPr lang="th-TH" sz="2800" dirty="0" smtClean="0">
                 <a:latin typeface="TH Sarabun New" panose="020B0500040200020003" pitchFamily="34" charset="-34"/>
                 <a:cs typeface="TH Sarabun New" panose="020B0500040200020003" pitchFamily="34" charset="-34"/>
               </a:rPr>
-              <a:t>เรียกใช้</a:t>
+              <a:t>เป็น </a:t>
+            </a:r>
+            <a:r>
+              <a:rPr lang="en-US" sz="2800" dirty="0">
+                <a:latin typeface="TH Sarabun New" panose="020B0500040200020003" pitchFamily="34" charset="-34"/>
+                <a:cs typeface="TH Sarabun New" panose="020B0500040200020003" pitchFamily="34" charset="-34"/>
+              </a:rPr>
+              <a:t>origin </a:t>
+            </a:r>
+            <a:r>
+              <a:rPr lang="th-TH" sz="2800" dirty="0" smtClean="0">
+                <a:latin typeface="TH Sarabun New" panose="020B0500040200020003" pitchFamily="34" charset="-34"/>
+                <a:cs typeface="TH Sarabun New" panose="020B0500040200020003" pitchFamily="34" charset="-34"/>
+              </a:rPr>
+              <a:t>เพื่อให้ง่ายต่อการเรียกใช้</a:t>
             </a:r>
             <a:endParaRPr lang="en-US" sz="2800" dirty="0" smtClean="0">
               <a:latin typeface="TH Sarabun New" panose="020B0500040200020003" pitchFamily="34" charset="-34"/>
@@ -9783,12 +9804,9 @@
             </a:endParaRPr>
           </a:p>
           <a:p>
-            <a:endParaRPr lang="th-TH" sz="2800" dirty="0">
-              <a:latin typeface="TH Sarabun New" panose="020B0500040200020003" pitchFamily="34" charset="-34"/>
-              <a:cs typeface="TH Sarabun New" panose="020B0500040200020003" pitchFamily="34" charset="-34"/>
-            </a:endParaRPr>
-          </a:p>
-          <a:p>
+            <a:pPr marL="0" indent="0">
+              <a:buNone/>
+            </a:pPr>
             <a:endParaRPr lang="th-TH" sz="2800" dirty="0" smtClean="0">
               <a:latin typeface="TH Sarabun New" panose="020B0500040200020003" pitchFamily="34" charset="-34"/>
               <a:cs typeface="TH Sarabun New" panose="020B0500040200020003" pitchFamily="34" charset="-34"/>
@@ -9829,6 +9847,20 @@
                 <a:cs typeface="TH Sarabun New" panose="020B0500040200020003" pitchFamily="34" charset="-34"/>
               </a:rPr>
               <a:t> </a:t>
+            </a:r>
+            <a:r>
+              <a:rPr lang="th-TH" sz="2800" dirty="0" smtClean="0">
+                <a:latin typeface="TH Sarabun New" panose="020B0500040200020003" pitchFamily="34" charset="-34"/>
+                <a:cs typeface="TH Sarabun New" panose="020B0500040200020003" pitchFamily="34" charset="-34"/>
+              </a:rPr>
+              <a:t>สร้าง </a:t>
+            </a:r>
+            <a:r>
+              <a:rPr lang="en-US" sz="2800" dirty="0" err="1">
+                <a:latin typeface="TH Sarabun New" panose="020B0500040200020003" pitchFamily="34" charset="-34"/>
+                <a:cs typeface="TH Sarabun New" panose="020B0500040200020003" pitchFamily="34" charset="-34"/>
+              </a:rPr>
+              <a:t>heroku</a:t>
             </a:r>
             <a:r>
               <a:rPr lang="en-US" dirty="0"/>
@@ -10562,14 +10594,7 @@
                 <a:latin typeface="TH Sarabun New" panose="020B0500040200020003" pitchFamily="34" charset="-34"/>
                 <a:cs typeface="TH Sarabun New" panose="020B0500040200020003" pitchFamily="34" charset="-34"/>
               </a:rPr>
-              <a:t> </a:t>
-            </a:r>
-            <a:r>
-              <a:rPr lang="th-TH" sz="2800" dirty="0" smtClean="0">
-                <a:latin typeface="TH Sarabun New" panose="020B0500040200020003" pitchFamily="34" charset="-34"/>
-                <a:cs typeface="TH Sarabun New" panose="020B0500040200020003" pitchFamily="34" charset="-34"/>
-              </a:rPr>
-              <a:t>ไปที่ </a:t>
+              <a:t> ไปที่ </a:t>
             </a:r>
             <a:r>
               <a:rPr lang="en-US" sz="2800" dirty="0" smtClean="0">
@@ -11055,14 +11080,7 @@
                 <a:latin typeface="TH Sarabun New" panose="020B0500040200020003" pitchFamily="34" charset="-34"/>
                 <a:cs typeface="TH Sarabun New" panose="020B0500040200020003" pitchFamily="34" charset="-34"/>
               </a:rPr>
-              <a:t> เพื่อง่ายต่อ</a:t>
-            </a:r>
-            <a:r>
-              <a:rPr lang="th-TH" sz="2800" dirty="0" smtClean="0">
-                <a:latin typeface="TH Sarabun New" panose="020B0500040200020003" pitchFamily="34" charset="-34"/>
-                <a:cs typeface="TH Sarabun New" panose="020B0500040200020003" pitchFamily="34" charset="-34"/>
-              </a:rPr>
-              <a:t>การค้นหา</a:t>
+              <a:t> เพื่อง่ายต่อการค้นหา</a:t>
             </a:r>
             <a:br>
               <a:rPr lang="th-TH" sz="2800" dirty="0" smtClean="0">
@@ -11075,14 +11093,7 @@
                 <a:latin typeface="TH Sarabun New" panose="020B0500040200020003" pitchFamily="34" charset="-34"/>
                 <a:cs typeface="TH Sarabun New" panose="020B0500040200020003" pitchFamily="34" charset="-34"/>
               </a:rPr>
-              <a:t>และแก้ไข</a:t>
-            </a:r>
-            <a:r>
-              <a:rPr lang="th-TH" sz="2800" dirty="0" smtClean="0">
-                <a:latin typeface="TH Sarabun New" panose="020B0500040200020003" pitchFamily="34" charset="-34"/>
-                <a:cs typeface="TH Sarabun New" panose="020B0500040200020003" pitchFamily="34" charset="-34"/>
-              </a:rPr>
-              <a:t>ไฟล์</a:t>
+              <a:t>และแก้ไขไฟล์</a:t>
             </a:r>
           </a:p>
           <a:p>
@@ -11128,11 +11139,11 @@
               <a:t>rails </a:t>
             </a:r>
             <a:r>
-              <a:rPr lang="en-US" sz="2800" dirty="0" err="1" smtClean="0">
-                <a:latin typeface="TH Sarabun New" panose="020B0500040200020003" pitchFamily="34" charset="-34"/>
-                <a:cs typeface="TH Sarabun New" panose="020B0500040200020003" pitchFamily="34" charset="-34"/>
-              </a:rPr>
-              <a:t>framewor</a:t>
+              <a:rPr lang="en-US" sz="2800" dirty="0" smtClean="0">
+                <a:latin typeface="TH Sarabun New" panose="020B0500040200020003" pitchFamily="34" charset="-34"/>
+                <a:cs typeface="TH Sarabun New" panose="020B0500040200020003" pitchFamily="34" charset="-34"/>
+              </a:rPr>
+              <a:t>framework</a:t>
             </a:r>
             <a:r>
               <a:rPr lang="th-TH" sz="2800" dirty="0" smtClean="0">
@@ -11146,14 +11157,7 @@
                 <a:latin typeface="TH Sarabun New" panose="020B0500040200020003" pitchFamily="34" charset="-34"/>
                 <a:cs typeface="TH Sarabun New" panose="020B0500040200020003" pitchFamily="34" charset="-34"/>
               </a:rPr>
-              <a:t>ชื่อ</a:t>
-            </a:r>
-            <a:r>
-              <a:rPr lang="th-TH" sz="2800" dirty="0" smtClean="0">
-                <a:latin typeface="TH Sarabun New" panose="020B0500040200020003" pitchFamily="34" charset="-34"/>
-                <a:cs typeface="TH Sarabun New" panose="020B0500040200020003" pitchFamily="34" charset="-34"/>
-              </a:rPr>
-              <a:t>ว่า </a:t>
+              <a:t>ชื่อว่า </a:t>
             </a:r>
             <a:r>
               <a:rPr lang="en-US" sz="2800" dirty="0" err="1">
@@ -11211,6 +11215,13 @@
   <p:clrMapOvr>
     <a:masterClrMapping/>
   </p:clrMapOvr>
+  <p:timing>
+    <p:tnLst>
+      <p:par>
+        <p:cTn id="1" dur="indefinite" restart="never" nodeType="tmRoot"/>
+      </p:par>
+    </p:tnLst>
+  </p:timing>
 </p:sld>
 </file>
 
@@ -11491,12 +11502,32 @@
               <a:t>/routes </a:t>
             </a:r>
             <a:r>
-              <a:rPr lang="en-US" dirty="0"/>
+              <a:rPr lang="en-US" sz="2800" dirty="0">
+                <a:latin typeface="TH Sarabun New" panose="020B0500040200020003" pitchFamily="34" charset="-34"/>
+                <a:cs typeface="TH Sarabun New" panose="020B0500040200020003" pitchFamily="34" charset="-34"/>
+              </a:rPr>
               <a:t/>
             </a:r>
             <a:br>
-              <a:rPr lang="en-US" dirty="0"/>
+              <a:rPr lang="en-US" sz="2800" dirty="0">
+                <a:latin typeface="TH Sarabun New" panose="020B0500040200020003" pitchFamily="34" charset="-34"/>
+                <a:cs typeface="TH Sarabun New" panose="020B0500040200020003" pitchFamily="34" charset="-34"/>
+              </a:rPr>
             </a:br>
+            <a:r>
+              <a:rPr lang="th-TH" sz="2800" dirty="0" smtClean="0">
+                <a:latin typeface="TH Sarabun New" panose="020B0500040200020003" pitchFamily="34" charset="-34"/>
+                <a:cs typeface="TH Sarabun New" panose="020B0500040200020003" pitchFamily="34" charset="-34"/>
+              </a:rPr>
+              <a:t>การเชื่อมต่อของหน้า </a:t>
+            </a:r>
+            <a:r>
+              <a:rPr lang="en-US" sz="2800" dirty="0" smtClean="0">
+                <a:latin typeface="TH Sarabun New" panose="020B0500040200020003" pitchFamily="34" charset="-34"/>
+                <a:cs typeface="TH Sarabun New" panose="020B0500040200020003" pitchFamily="34" charset="-34"/>
+              </a:rPr>
+              <a:t>pages</a:t>
+            </a:r>
             <a:r>
               <a:rPr lang="en-US" dirty="0" smtClean="0"/>
               <a:t/>
@@ -13306,47 +13337,47 @@
               <a:t>ใส่ </a:t>
             </a:r>
             <a:r>
+              <a:rPr lang="en-US" sz="2800" dirty="0" err="1" smtClean="0">
+                <a:latin typeface="TH Sarabun New" panose="020B0500040200020003" pitchFamily="34" charset="-34"/>
+                <a:cs typeface="TH Sarabun New" panose="020B0500040200020003" pitchFamily="34" charset="-34"/>
+              </a:rPr>
+              <a:t>url</a:t>
+            </a:r>
+            <a:r>
+              <a:rPr lang="en-US" sz="2800" dirty="0" smtClean="0">
+                <a:latin typeface="TH Sarabun New" panose="020B0500040200020003" pitchFamily="34" charset="-34"/>
+                <a:cs typeface="TH Sarabun New" panose="020B0500040200020003" pitchFamily="34" charset="-34"/>
+              </a:rPr>
+              <a:t> </a:t>
+            </a:r>
+            <a:r>
               <a:rPr lang="th-TH" sz="2800" dirty="0" smtClean="0">
                 <a:latin typeface="TH Sarabun New" panose="020B0500040200020003" pitchFamily="34" charset="-34"/>
                 <a:cs typeface="TH Sarabun New" panose="020B0500040200020003" pitchFamily="34" charset="-34"/>
               </a:rPr>
-              <a:t>ชื่อ </a:t>
-            </a:r>
-            <a:r>
-              <a:rPr lang="en-US" sz="2800" dirty="0">
-                <a:latin typeface="TH Sarabun New" panose="020B0500040200020003" pitchFamily="34" charset="-34"/>
-                <a:cs typeface="TH Sarabun New" panose="020B0500040200020003" pitchFamily="34" charset="-34"/>
-              </a:rPr>
-              <a:t>presentation </a:t>
-            </a:r>
-            <a:r>
-              <a:rPr lang="th-TH" sz="2800" dirty="0">
-                <a:latin typeface="TH Sarabun New" panose="020B0500040200020003" pitchFamily="34" charset="-34"/>
-                <a:cs typeface="TH Sarabun New" panose="020B0500040200020003" pitchFamily="34" charset="-34"/>
-              </a:rPr>
-              <a:t>ใน </a:t>
-            </a:r>
-            <a:r>
-              <a:rPr lang="en-US" sz="2800" dirty="0" err="1">
-                <a:latin typeface="TH Sarabun New" panose="020B0500040200020003" pitchFamily="34" charset="-34"/>
-                <a:cs typeface="TH Sarabun New" panose="020B0500040200020003" pitchFamily="34" charset="-34"/>
-              </a:rPr>
-              <a:t>interview_rails</a:t>
-            </a:r>
-            <a:r>
-              <a:rPr lang="en-US" sz="2800" dirty="0">
-                <a:latin typeface="TH Sarabun New" panose="020B0500040200020003" pitchFamily="34" charset="-34"/>
-                <a:cs typeface="TH Sarabun New" panose="020B0500040200020003" pitchFamily="34" charset="-34"/>
-              </a:rPr>
-              <a:t> repo</a:t>
-            </a:r>
-            <a:r>
-              <a:rPr lang="en-US" dirty="0" smtClean="0"/>
-              <a:t/>
-            </a:r>
-            <a:br>
-              <a:rPr lang="en-US" dirty="0" smtClean="0"/>
-            </a:br>
+              <a:t>บน </a:t>
+            </a:r>
+            <a:r>
+              <a:rPr lang="en-US" sz="2800" dirty="0" err="1" smtClean="0">
+                <a:latin typeface="TH Sarabun New" panose="020B0500040200020003" pitchFamily="34" charset="-34"/>
+                <a:cs typeface="TH Sarabun New" panose="020B0500040200020003" pitchFamily="34" charset="-34"/>
+              </a:rPr>
+              <a:t>heroku</a:t>
+            </a:r>
+            <a:r>
+              <a:rPr lang="en-US" sz="2800" dirty="0" smtClean="0">
+                <a:latin typeface="TH Sarabun New" panose="020B0500040200020003" pitchFamily="34" charset="-34"/>
+                <a:cs typeface="TH Sarabun New" panose="020B0500040200020003" pitchFamily="34" charset="-34"/>
+              </a:rPr>
+              <a:t> </a:t>
+            </a:r>
+            <a:r>
+              <a:rPr lang="th-TH" sz="2800" dirty="0" smtClean="0">
+                <a:latin typeface="TH Sarabun New" panose="020B0500040200020003" pitchFamily="34" charset="-34"/>
+                <a:cs typeface="TH Sarabun New" panose="020B0500040200020003" pitchFamily="34" charset="-34"/>
+              </a:rPr>
+              <a:t>ที่สร้าง</a:t>
+            </a:r>
             <a:r>
               <a:rPr lang="th-TH" dirty="0" smtClean="0"/>
               <a:t> </a:t>
@@ -15113,113 +15144,76 @@
                 <a:latin typeface="TH Sarabun New" panose="020B0500040200020003" pitchFamily="34" charset="-34"/>
                 <a:cs typeface="TH Sarabun New" panose="020B0500040200020003" pitchFamily="34" charset="-34"/>
               </a:rPr>
-              <a:t>(</a:t>
-            </a:r>
-            <a:r>
-              <a:rPr lang="th-TH" sz="2800" dirty="0">
-                <a:latin typeface="TH Sarabun New" panose="020B0500040200020003" pitchFamily="34" charset="-34"/>
-                <a:cs typeface="TH Sarabun New" panose="020B0500040200020003" pitchFamily="34" charset="-34"/>
-              </a:rPr>
-              <a:t>บอกว่าแอพลิเคชันของเราต้องการใช้ </a:t>
+              <a:t/>
+            </a:r>
+            <a:br>
+              <a:rPr lang="en-US" sz="2800" dirty="0" smtClean="0">
+                <a:latin typeface="TH Sarabun New" panose="020B0500040200020003" pitchFamily="34" charset="-34"/>
+                <a:cs typeface="TH Sarabun New" panose="020B0500040200020003" pitchFamily="34" charset="-34"/>
+              </a:rPr>
+            </a:br>
+            <a:r>
+              <a:rPr lang="en-US" sz="2800" dirty="0" smtClean="0">
+                <a:latin typeface="TH Sarabun New" panose="020B0500040200020003" pitchFamily="34" charset="-34"/>
+                <a:cs typeface="TH Sarabun New" panose="020B0500040200020003" pitchFamily="34" charset="-34"/>
+              </a:rPr>
+              <a:t>source </a:t>
             </a:r>
             <a:r>
               <a:rPr lang="en-US" sz="2800" dirty="0">
                 <a:latin typeface="TH Sarabun New" panose="020B0500040200020003" pitchFamily="34" charset="-34"/>
                 <a:cs typeface="TH Sarabun New" panose="020B0500040200020003" pitchFamily="34" charset="-34"/>
               </a:rPr>
-              <a:t>library </a:t>
-            </a:r>
-            <a:r>
-              <a:rPr lang="th-TH" sz="2800" dirty="0">
-                <a:latin typeface="TH Sarabun New" panose="020B0500040200020003" pitchFamily="34" charset="-34"/>
-                <a:cs typeface="TH Sarabun New" panose="020B0500040200020003" pitchFamily="34" charset="-34"/>
-              </a:rPr>
-              <a:t>อะไรบ้าง </a:t>
+              <a:t>'https://</a:t>
             </a:r>
             <a:r>
               <a:rPr lang="en-US" sz="2800" dirty="0" smtClean="0">
                 <a:latin typeface="TH Sarabun New" panose="020B0500040200020003" pitchFamily="34" charset="-34"/>
                 <a:cs typeface="TH Sarabun New" panose="020B0500040200020003" pitchFamily="34" charset="-34"/>
               </a:rPr>
-              <a:t>)</a:t>
-            </a:r>
-          </a:p>
-          <a:p>
-            <a:pPr marL="0" indent="0">
-              <a:buNone/>
-            </a:pPr>
-            <a:r>
-              <a:rPr lang="th-TH" sz="2800" dirty="0">
-                <a:latin typeface="TH Sarabun New" panose="020B0500040200020003" pitchFamily="34" charset="-34"/>
-                <a:cs typeface="TH Sarabun New" panose="020B0500040200020003" pitchFamily="34" charset="-34"/>
-              </a:rPr>
-              <a:t> </a:t>
-            </a:r>
+              <a:t>rubygems.org‘	</a:t>
+            </a:r>
+            <a:r>
+              <a:rPr lang="en-US" sz="2800" dirty="0" smtClean="0">
+                <a:latin typeface="TH Sarabun New" panose="020B0500040200020003" pitchFamily="34" charset="-34"/>
+                <a:cs typeface="TH Sarabun New" panose="020B0500040200020003" pitchFamily="34" charset="-34"/>
+                <a:sym typeface="Wingdings" panose="05000000000000000000" pitchFamily="2" charset="2"/>
+              </a:rPr>
+              <a:t> 	</a:t>
+            </a:r>
+            <a:r>
+              <a:rPr lang="en-US" sz="2800" dirty="0" smtClean="0">
+                <a:latin typeface="TH Sarabun New" panose="020B0500040200020003" pitchFamily="34" charset="-34"/>
+                <a:cs typeface="TH Sarabun New" panose="020B0500040200020003" pitchFamily="34" charset="-34"/>
+              </a:rPr>
+              <a:t>source </a:t>
+            </a:r>
+            <a:r>
+              <a:rPr lang="en-US" sz="2800" dirty="0">
+                <a:latin typeface="TH Sarabun New" panose="020B0500040200020003" pitchFamily="34" charset="-34"/>
+                <a:cs typeface="TH Sarabun New" panose="020B0500040200020003" pitchFamily="34" charset="-34"/>
+              </a:rPr>
+              <a:t>'http://rubygems.org' </a:t>
+            </a:r>
+            <a:r>
+              <a:rPr lang="en-US" sz="2800" dirty="0">
+                <a:latin typeface="TH Sarabun New" panose="020B0500040200020003" pitchFamily="34" charset="-34"/>
+                <a:cs typeface="TH Sarabun New" panose="020B0500040200020003" pitchFamily="34" charset="-34"/>
+              </a:rPr>
+              <a:t/>
+            </a:r>
+            <a:br>
+              <a:rPr lang="en-US" sz="2800" dirty="0">
+                <a:latin typeface="TH Sarabun New" panose="020B0500040200020003" pitchFamily="34" charset="-34"/>
+                <a:cs typeface="TH Sarabun New" panose="020B0500040200020003" pitchFamily="34" charset="-34"/>
+              </a:rPr>
+            </a:br>
             <a:r>
               <a:rPr lang="th-TH" sz="2800" dirty="0" smtClean="0">
                 <a:latin typeface="TH Sarabun New" panose="020B0500040200020003" pitchFamily="34" charset="-34"/>
                 <a:cs typeface="TH Sarabun New" panose="020B0500040200020003" pitchFamily="34" charset="-34"/>
               </a:rPr>
-              <a:t>    </a:t>
-            </a:r>
-            <a:r>
-              <a:rPr lang="en-US" sz="2800" dirty="0" smtClean="0">
-                <a:latin typeface="TH Sarabun New" panose="020B0500040200020003" pitchFamily="34" charset="-34"/>
-                <a:cs typeface="TH Sarabun New" panose="020B0500040200020003" pitchFamily="34" charset="-34"/>
-              </a:rPr>
-              <a:t>source </a:t>
-            </a:r>
-            <a:r>
-              <a:rPr lang="en-US" sz="2800" dirty="0">
-                <a:latin typeface="TH Sarabun New" panose="020B0500040200020003" pitchFamily="34" charset="-34"/>
-                <a:cs typeface="TH Sarabun New" panose="020B0500040200020003" pitchFamily="34" charset="-34"/>
-              </a:rPr>
-              <a:t>'https://</a:t>
-            </a:r>
-            <a:r>
-              <a:rPr lang="en-US" sz="2800" dirty="0" smtClean="0">
-                <a:latin typeface="TH Sarabun New" panose="020B0500040200020003" pitchFamily="34" charset="-34"/>
-                <a:cs typeface="TH Sarabun New" panose="020B0500040200020003" pitchFamily="34" charset="-34"/>
-              </a:rPr>
-              <a:t>rubygems.org‘	</a:t>
-            </a:r>
-            <a:r>
-              <a:rPr lang="en-US" sz="2800" dirty="0" smtClean="0">
-                <a:latin typeface="TH Sarabun New" panose="020B0500040200020003" pitchFamily="34" charset="-34"/>
-                <a:cs typeface="TH Sarabun New" panose="020B0500040200020003" pitchFamily="34" charset="-34"/>
-                <a:sym typeface="Wingdings" panose="05000000000000000000" pitchFamily="2" charset="2"/>
-              </a:rPr>
-              <a:t> 	</a:t>
-            </a:r>
-            <a:r>
-              <a:rPr lang="en-US" sz="2800" dirty="0" smtClean="0">
-                <a:latin typeface="TH Sarabun New" panose="020B0500040200020003" pitchFamily="34" charset="-34"/>
-                <a:cs typeface="TH Sarabun New" panose="020B0500040200020003" pitchFamily="34" charset="-34"/>
-              </a:rPr>
-              <a:t>source </a:t>
-            </a:r>
-            <a:r>
-              <a:rPr lang="en-US" sz="2800" dirty="0">
-                <a:latin typeface="TH Sarabun New" panose="020B0500040200020003" pitchFamily="34" charset="-34"/>
-                <a:cs typeface="TH Sarabun New" panose="020B0500040200020003" pitchFamily="34" charset="-34"/>
-              </a:rPr>
-              <a:t>'http://rubygems.org' </a:t>
-            </a:r>
-            <a:endParaRPr lang="th-TH" sz="2800" dirty="0">
-              <a:latin typeface="TH Sarabun New" panose="020B0500040200020003" pitchFamily="34" charset="-34"/>
-              <a:cs typeface="TH Sarabun New" panose="020B0500040200020003" pitchFamily="34" charset="-34"/>
-            </a:endParaRPr>
-          </a:p>
-          <a:p>
-            <a:pPr marL="0" indent="0">
-              <a:buNone/>
-            </a:pPr>
-            <a:r>
-              <a:rPr lang="th-TH" sz="2800" dirty="0" smtClean="0">
-                <a:latin typeface="TH Sarabun New" panose="020B0500040200020003" pitchFamily="34" charset="-34"/>
-                <a:cs typeface="TH Sarabun New" panose="020B0500040200020003" pitchFamily="34" charset="-34"/>
-              </a:rPr>
-              <a:t>     ฐานข้อมูล </a:t>
+              <a:t>ฐานข้อมูล </a:t>
             </a:r>
             <a:r>
               <a:rPr lang="en-US" sz="2800" dirty="0" err="1" smtClean="0">

--- a/present.pptx
+++ b/present.pptx
@@ -38,7 +38,8 @@
     <p:sldId id="291" r:id="rId32"/>
     <p:sldId id="293" r:id="rId33"/>
     <p:sldId id="294" r:id="rId34"/>
-    <p:sldId id="297" r:id="rId35"/>
+    <p:sldId id="299" r:id="rId35"/>
+    <p:sldId id="297" r:id="rId36"/>
   </p:sldIdLst>
   <p:sldSz cx="12192000" cy="6858000"/>
   <p:notesSz cx="6858000" cy="9144000"/>
@@ -16988,6 +16989,78 @@
             <a:spLocks noGrp="1"/>
           </p:cNvSpPr>
           <p:nvPr>
+            <p:ph type="ctrTitle"/>
+          </p:nvPr>
+        </p:nvSpPr>
+        <p:spPr/>
+        <p:txBody>
+          <a:bodyPr/>
+          <a:lstStyle/>
+          <a:p>
+            <a:r>
+              <a:rPr lang="th-TH" sz="6000" b="1" dirty="0" smtClean="0">
+                <a:latin typeface="TH Sarabun New" panose="020B0500040200020003" pitchFamily="34" charset="-34"/>
+                <a:cs typeface="TH Sarabun New" panose="020B0500040200020003" pitchFamily="34" charset="-34"/>
+              </a:rPr>
+              <a:t>นางสาวสุธาภรณ์  คีรีเขตต์</a:t>
+            </a:r>
+            <a:br>
+              <a:rPr lang="th-TH" sz="6000" b="1" dirty="0" smtClean="0">
+                <a:latin typeface="TH Sarabun New" panose="020B0500040200020003" pitchFamily="34" charset="-34"/>
+                <a:cs typeface="TH Sarabun New" panose="020B0500040200020003" pitchFamily="34" charset="-34"/>
+              </a:rPr>
+            </a:br>
+            <a:r>
+              <a:rPr lang="th-TH" sz="6000" b="1" dirty="0" smtClean="0">
+                <a:latin typeface="TH Sarabun New" panose="020B0500040200020003" pitchFamily="34" charset="-34"/>
+                <a:cs typeface="TH Sarabun New" panose="020B0500040200020003" pitchFamily="34" charset="-34"/>
+              </a:rPr>
+              <a:t>57160443</a:t>
+            </a:r>
+            <a:endParaRPr lang="en-US" sz="6000" b="1" dirty="0">
+              <a:latin typeface="TH Sarabun New" panose="020B0500040200020003" pitchFamily="34" charset="-34"/>
+              <a:cs typeface="TH Sarabun New" panose="020B0500040200020003" pitchFamily="34" charset="-34"/>
+            </a:endParaRPr>
+          </a:p>
+        </p:txBody>
+      </p:sp>
+    </p:spTree>
+    <p:extLst>
+      <p:ext uri="{BB962C8B-B14F-4D97-AF65-F5344CB8AC3E}">
+        <p14:creationId xmlns:p14="http://schemas.microsoft.com/office/powerpoint/2010/main" val="1072370992"/>
+      </p:ext>
+    </p:extLst>
+  </p:cSld>
+  <p:clrMapOvr>
+    <a:masterClrMapping/>
+  </p:clrMapOvr>
+</p:sld>
+</file>
+
+<file path=ppt/slides/slide35.xml><?xml version="1.0" encoding="utf-8"?>
+<p:sld xmlns:a="http://schemas.openxmlformats.org/drawingml/2006/main" xmlns:r="http://schemas.openxmlformats.org/officeDocument/2006/relationships" xmlns:p="http://schemas.openxmlformats.org/presentationml/2006/main">
+  <p:cSld>
+    <p:spTree>
+      <p:nvGrpSpPr>
+        <p:cNvPr id="1" name=""/>
+        <p:cNvGrpSpPr/>
+        <p:nvPr/>
+      </p:nvGrpSpPr>
+      <p:grpSpPr>
+        <a:xfrm>
+          <a:off x="0" y="0"/>
+          <a:ext cx="0" cy="0"/>
+          <a:chOff x="0" y="0"/>
+          <a:chExt cx="0" cy="0"/>
+        </a:xfrm>
+      </p:grpSpPr>
+      <p:sp>
+        <p:nvSpPr>
+          <p:cNvPr id="2" name="Title 1"/>
+          <p:cNvSpPr>
+            <a:spLocks noGrp="1"/>
+          </p:cNvSpPr>
+          <p:nvPr>
             <p:ph type="title"/>
           </p:nvPr>
         </p:nvSpPr>
